--- a/trunk/haxemeet/haxe.pptx
+++ b/trunk/haxemeet/haxe.pptx
@@ -21,7 +21,10 @@
     <p:sldId id="271" r:id="rId15"/>
     <p:sldId id="270" r:id="rId16"/>
     <p:sldId id="269" r:id="rId17"/>
-    <p:sldId id="272" r:id="rId18"/>
+    <p:sldId id="273" r:id="rId18"/>
+    <p:sldId id="274" r:id="rId19"/>
+    <p:sldId id="272" r:id="rId20"/>
+    <p:sldId id="275" r:id="rId21"/>
   </p:sldIdLst>
   <p:sldSz cx="9144000" cy="6858000" type="screen4x3"/>
   <p:notesSz cx="6858000" cy="9144000"/>
@@ -304,7 +307,7 @@
           <a:p>
             <a:fld id="{530820CF-B880-4189-942D-D702A7CBA730}" type="datetimeFigureOut">
               <a:rPr lang="zh-CN" altLang="en-US" smtClean="0"/>
-              <a:t>2013-5-11</a:t>
+              <a:t>2013/5/13</a:t>
             </a:fld>
             <a:endParaRPr lang="zh-CN" altLang="en-US"/>
           </a:p>
@@ -469,7 +472,7 @@
           <a:p>
             <a:fld id="{530820CF-B880-4189-942D-D702A7CBA730}" type="datetimeFigureOut">
               <a:rPr lang="zh-CN" altLang="en-US" smtClean="0"/>
-              <a:t>2013-5-11</a:t>
+              <a:t>2013/5/13</a:t>
             </a:fld>
             <a:endParaRPr lang="zh-CN" altLang="en-US"/>
           </a:p>
@@ -644,7 +647,7 @@
           <a:p>
             <a:fld id="{530820CF-B880-4189-942D-D702A7CBA730}" type="datetimeFigureOut">
               <a:rPr lang="zh-CN" altLang="en-US" smtClean="0"/>
-              <a:t>2013-5-11</a:t>
+              <a:t>2013/5/13</a:t>
             </a:fld>
             <a:endParaRPr lang="zh-CN" altLang="en-US"/>
           </a:p>
@@ -809,7 +812,7 @@
           <a:p>
             <a:fld id="{530820CF-B880-4189-942D-D702A7CBA730}" type="datetimeFigureOut">
               <a:rPr lang="zh-CN" altLang="en-US" smtClean="0"/>
-              <a:t>2013-5-11</a:t>
+              <a:t>2013/5/13</a:t>
             </a:fld>
             <a:endParaRPr lang="zh-CN" altLang="en-US"/>
           </a:p>
@@ -1050,7 +1053,7 @@
           <a:p>
             <a:fld id="{530820CF-B880-4189-942D-D702A7CBA730}" type="datetimeFigureOut">
               <a:rPr lang="zh-CN" altLang="en-US" smtClean="0"/>
-              <a:t>2013-5-11</a:t>
+              <a:t>2013/5/13</a:t>
             </a:fld>
             <a:endParaRPr lang="zh-CN" altLang="en-US"/>
           </a:p>
@@ -1333,7 +1336,7 @@
           <a:p>
             <a:fld id="{530820CF-B880-4189-942D-D702A7CBA730}" type="datetimeFigureOut">
               <a:rPr lang="zh-CN" altLang="en-US" smtClean="0"/>
-              <a:t>2013-5-11</a:t>
+              <a:t>2013/5/13</a:t>
             </a:fld>
             <a:endParaRPr lang="zh-CN" altLang="en-US"/>
           </a:p>
@@ -1750,7 +1753,7 @@
           <a:p>
             <a:fld id="{530820CF-B880-4189-942D-D702A7CBA730}" type="datetimeFigureOut">
               <a:rPr lang="zh-CN" altLang="en-US" smtClean="0"/>
-              <a:t>2013-5-11</a:t>
+              <a:t>2013/5/13</a:t>
             </a:fld>
             <a:endParaRPr lang="zh-CN" altLang="en-US"/>
           </a:p>
@@ -1863,7 +1866,7 @@
           <a:p>
             <a:fld id="{530820CF-B880-4189-942D-D702A7CBA730}" type="datetimeFigureOut">
               <a:rPr lang="zh-CN" altLang="en-US" smtClean="0"/>
-              <a:t>2013-5-11</a:t>
+              <a:t>2013/5/13</a:t>
             </a:fld>
             <a:endParaRPr lang="zh-CN" altLang="en-US"/>
           </a:p>
@@ -1953,7 +1956,7 @@
           <a:p>
             <a:fld id="{530820CF-B880-4189-942D-D702A7CBA730}" type="datetimeFigureOut">
               <a:rPr lang="zh-CN" altLang="en-US" smtClean="0"/>
-              <a:t>2013-5-11</a:t>
+              <a:t>2013/5/13</a:t>
             </a:fld>
             <a:endParaRPr lang="zh-CN" altLang="en-US"/>
           </a:p>
@@ -2225,7 +2228,7 @@
           <a:p>
             <a:fld id="{530820CF-B880-4189-942D-D702A7CBA730}" type="datetimeFigureOut">
               <a:rPr lang="zh-CN" altLang="en-US" smtClean="0"/>
-              <a:t>2013-5-11</a:t>
+              <a:t>2013/5/13</a:t>
             </a:fld>
             <a:endParaRPr lang="zh-CN" altLang="en-US"/>
           </a:p>
@@ -2473,7 +2476,7 @@
           <a:p>
             <a:fld id="{530820CF-B880-4189-942D-D702A7CBA730}" type="datetimeFigureOut">
               <a:rPr lang="zh-CN" altLang="en-US" smtClean="0"/>
-              <a:t>2013-5-11</a:t>
+              <a:t>2013/5/13</a:t>
             </a:fld>
             <a:endParaRPr lang="zh-CN" altLang="en-US"/>
           </a:p>
@@ -2681,7 +2684,7 @@
           <a:p>
             <a:fld id="{530820CF-B880-4189-942D-D702A7CBA730}" type="datetimeFigureOut">
               <a:rPr lang="zh-CN" altLang="en-US" smtClean="0"/>
-              <a:t>2013-5-11</a:t>
+              <a:t>2013/5/13</a:t>
             </a:fld>
             <a:endParaRPr lang="zh-CN" altLang="en-US"/>
           </a:p>
@@ -3438,13 +3441,8 @@
             </a:r>
             <a:r>
               <a:rPr lang="zh-CN" altLang="en-US" sz="2400" dirty="0"/>
-              <a:t>测试</a:t>
-            </a:r>
-            <a:r>
-              <a:rPr lang="zh-CN" altLang="en-US" sz="2400" dirty="0"/>
-              <a:t>中</a:t>
-            </a:r>
-            <a:endParaRPr lang="zh-CN" altLang="en-US" sz="2400" dirty="0"/>
+              <a:t>测试中</a:t>
+            </a:r>
           </a:p>
         </p:txBody>
       </p:sp>
@@ -3669,12 +3667,428 @@
         </p:nvSpPr>
         <p:spPr/>
         <p:txBody>
-          <a:bodyPr/>
+          <a:bodyPr>
+            <a:normAutofit fontScale="62500" lnSpcReduction="20000"/>
+          </a:bodyPr>
           <a:lstStyle/>
           <a:p>
             <a:pPr marL="0" indent="0">
               <a:buNone/>
             </a:pPr>
+            <a:r>
+              <a:rPr lang="en-US" altLang="zh-CN" dirty="0"/>
+              <a:t>static inline function </a:t>
+            </a:r>
+            <a:r>
+              <a:rPr lang="en-US" altLang="zh-CN" dirty="0" err="1"/>
+              <a:t>getByte</a:t>
+            </a:r>
+            <a:r>
+              <a:rPr lang="en-US" altLang="zh-CN" dirty="0"/>
+              <a:t>( </a:t>
+            </a:r>
+            <a:r>
+              <a:rPr lang="en-US" altLang="zh-CN" dirty="0" err="1"/>
+              <a:t>addr</a:t>
+            </a:r>
+            <a:r>
+              <a:rPr lang="en-US" altLang="zh-CN" dirty="0"/>
+              <a:t> : </a:t>
+            </a:r>
+            <a:r>
+              <a:rPr lang="en-US" altLang="zh-CN" dirty="0" err="1"/>
+              <a:t>Int</a:t>
+            </a:r>
+            <a:r>
+              <a:rPr lang="en-US" altLang="zh-CN" dirty="0"/>
+              <a:t> ) : </a:t>
+            </a:r>
+            <a:r>
+              <a:rPr lang="en-US" altLang="zh-CN" dirty="0" err="1"/>
+              <a:t>Int</a:t>
+            </a:r>
+            <a:endParaRPr lang="en-US" altLang="zh-CN" dirty="0"/>
+          </a:p>
+          <a:p>
+            <a:pPr marL="0" indent="0">
+              <a:buNone/>
+            </a:pPr>
+            <a:r>
+              <a:rPr lang="en-US" altLang="zh-CN" dirty="0"/>
+              <a:t>static inline function </a:t>
+            </a:r>
+            <a:r>
+              <a:rPr lang="en-US" altLang="zh-CN" dirty="0" err="1"/>
+              <a:t>getDouble</a:t>
+            </a:r>
+            <a:r>
+              <a:rPr lang="en-US" altLang="zh-CN" dirty="0"/>
+              <a:t>( </a:t>
+            </a:r>
+            <a:r>
+              <a:rPr lang="en-US" altLang="zh-CN" dirty="0" err="1"/>
+              <a:t>addr</a:t>
+            </a:r>
+            <a:r>
+              <a:rPr lang="en-US" altLang="zh-CN" dirty="0"/>
+              <a:t> : </a:t>
+            </a:r>
+            <a:r>
+              <a:rPr lang="en-US" altLang="zh-CN" dirty="0" err="1"/>
+              <a:t>Int</a:t>
+            </a:r>
+            <a:r>
+              <a:rPr lang="en-US" altLang="zh-CN" dirty="0"/>
+              <a:t> ) : Float</a:t>
+            </a:r>
+          </a:p>
+          <a:p>
+            <a:pPr marL="0" indent="0">
+              <a:buNone/>
+            </a:pPr>
+            <a:r>
+              <a:rPr lang="en-US" altLang="zh-CN" dirty="0"/>
+              <a:t>static inline function </a:t>
+            </a:r>
+            <a:r>
+              <a:rPr lang="en-US" altLang="zh-CN" dirty="0" err="1"/>
+              <a:t>getFloat</a:t>
+            </a:r>
+            <a:r>
+              <a:rPr lang="en-US" altLang="zh-CN" dirty="0"/>
+              <a:t>( </a:t>
+            </a:r>
+            <a:r>
+              <a:rPr lang="en-US" altLang="zh-CN" dirty="0" err="1"/>
+              <a:t>addr</a:t>
+            </a:r>
+            <a:r>
+              <a:rPr lang="en-US" altLang="zh-CN" dirty="0"/>
+              <a:t> : </a:t>
+            </a:r>
+            <a:r>
+              <a:rPr lang="en-US" altLang="zh-CN" dirty="0" err="1"/>
+              <a:t>Int</a:t>
+            </a:r>
+            <a:r>
+              <a:rPr lang="en-US" altLang="zh-CN" dirty="0"/>
+              <a:t> ) : Float</a:t>
+            </a:r>
+          </a:p>
+          <a:p>
+            <a:pPr marL="0" indent="0">
+              <a:buNone/>
+            </a:pPr>
+            <a:r>
+              <a:rPr lang="en-US" altLang="zh-CN" dirty="0"/>
+              <a:t>static inline function getI32( </a:t>
+            </a:r>
+            <a:r>
+              <a:rPr lang="en-US" altLang="zh-CN" dirty="0" err="1"/>
+              <a:t>addr</a:t>
+            </a:r>
+            <a:r>
+              <a:rPr lang="en-US" altLang="zh-CN" dirty="0"/>
+              <a:t> : </a:t>
+            </a:r>
+            <a:r>
+              <a:rPr lang="en-US" altLang="zh-CN" dirty="0" err="1"/>
+              <a:t>Int</a:t>
+            </a:r>
+            <a:r>
+              <a:rPr lang="en-US" altLang="zh-CN" dirty="0"/>
+              <a:t> ) : </a:t>
+            </a:r>
+            <a:r>
+              <a:rPr lang="en-US" altLang="zh-CN" dirty="0" err="1"/>
+              <a:t>Int</a:t>
+            </a:r>
+            <a:endParaRPr lang="en-US" altLang="zh-CN" dirty="0"/>
+          </a:p>
+          <a:p>
+            <a:pPr marL="0" indent="0">
+              <a:buNone/>
+            </a:pPr>
+            <a:r>
+              <a:rPr lang="en-US" altLang="zh-CN" dirty="0"/>
+              <a:t>static inline function getUI16( </a:t>
+            </a:r>
+            <a:r>
+              <a:rPr lang="en-US" altLang="zh-CN" dirty="0" err="1"/>
+              <a:t>addr</a:t>
+            </a:r>
+            <a:r>
+              <a:rPr lang="en-US" altLang="zh-CN" dirty="0"/>
+              <a:t> : </a:t>
+            </a:r>
+            <a:r>
+              <a:rPr lang="en-US" altLang="zh-CN" dirty="0" err="1"/>
+              <a:t>Int</a:t>
+            </a:r>
+            <a:r>
+              <a:rPr lang="en-US" altLang="zh-CN" dirty="0"/>
+              <a:t> ) : </a:t>
+            </a:r>
+            <a:r>
+              <a:rPr lang="en-US" altLang="zh-CN" dirty="0" err="1"/>
+              <a:t>Int</a:t>
+            </a:r>
+            <a:endParaRPr lang="en-US" altLang="zh-CN" dirty="0"/>
+          </a:p>
+          <a:p>
+            <a:pPr marL="0" indent="0">
+              <a:buNone/>
+            </a:pPr>
+            <a:r>
+              <a:rPr lang="en-US" altLang="zh-CN" dirty="0"/>
+              <a:t>static inline function select( b : </a:t>
+            </a:r>
+            <a:r>
+              <a:rPr lang="en-US" altLang="zh-CN" dirty="0" err="1"/>
+              <a:t>ByteArray</a:t>
+            </a:r>
+            <a:r>
+              <a:rPr lang="en-US" altLang="zh-CN" dirty="0"/>
+              <a:t> ) : Void</a:t>
+            </a:r>
+          </a:p>
+          <a:p>
+            <a:pPr marL="0" indent="0">
+              <a:buNone/>
+            </a:pPr>
+            <a:r>
+              <a:rPr lang="en-US" altLang="zh-CN" dirty="0"/>
+              <a:t>static inline function </a:t>
+            </a:r>
+            <a:r>
+              <a:rPr lang="en-US" altLang="zh-CN" dirty="0" err="1"/>
+              <a:t>setByte</a:t>
+            </a:r>
+            <a:r>
+              <a:rPr lang="en-US" altLang="zh-CN" dirty="0"/>
+              <a:t>( </a:t>
+            </a:r>
+            <a:r>
+              <a:rPr lang="en-US" altLang="zh-CN" dirty="0" err="1"/>
+              <a:t>addr</a:t>
+            </a:r>
+            <a:r>
+              <a:rPr lang="en-US" altLang="zh-CN" dirty="0"/>
+              <a:t> : </a:t>
+            </a:r>
+            <a:r>
+              <a:rPr lang="en-US" altLang="zh-CN" dirty="0" err="1"/>
+              <a:t>Int</a:t>
+            </a:r>
+            <a:r>
+              <a:rPr lang="en-US" altLang="zh-CN" dirty="0"/>
+              <a:t>, v : </a:t>
+            </a:r>
+            <a:r>
+              <a:rPr lang="en-US" altLang="zh-CN" dirty="0" err="1"/>
+              <a:t>Int</a:t>
+            </a:r>
+            <a:r>
+              <a:rPr lang="en-US" altLang="zh-CN" dirty="0"/>
+              <a:t> ) : Void</a:t>
+            </a:r>
+          </a:p>
+          <a:p>
+            <a:pPr marL="0" indent="0">
+              <a:buNone/>
+            </a:pPr>
+            <a:r>
+              <a:rPr lang="en-US" altLang="zh-CN" dirty="0"/>
+              <a:t>static inline function </a:t>
+            </a:r>
+            <a:r>
+              <a:rPr lang="en-US" altLang="zh-CN" dirty="0" err="1"/>
+              <a:t>setDouble</a:t>
+            </a:r>
+            <a:r>
+              <a:rPr lang="en-US" altLang="zh-CN" dirty="0"/>
+              <a:t>( </a:t>
+            </a:r>
+            <a:r>
+              <a:rPr lang="en-US" altLang="zh-CN" dirty="0" err="1"/>
+              <a:t>addr</a:t>
+            </a:r>
+            <a:r>
+              <a:rPr lang="en-US" altLang="zh-CN" dirty="0"/>
+              <a:t> : </a:t>
+            </a:r>
+            <a:r>
+              <a:rPr lang="en-US" altLang="zh-CN" dirty="0" err="1"/>
+              <a:t>Int</a:t>
+            </a:r>
+            <a:r>
+              <a:rPr lang="en-US" altLang="zh-CN" dirty="0"/>
+              <a:t>, v : Float ) : Void</a:t>
+            </a:r>
+          </a:p>
+          <a:p>
+            <a:pPr marL="0" indent="0">
+              <a:buNone/>
+            </a:pPr>
+            <a:r>
+              <a:rPr lang="en-US" altLang="zh-CN" dirty="0"/>
+              <a:t>static inline function </a:t>
+            </a:r>
+            <a:r>
+              <a:rPr lang="en-US" altLang="zh-CN" dirty="0" err="1"/>
+              <a:t>setFloat</a:t>
+            </a:r>
+            <a:r>
+              <a:rPr lang="en-US" altLang="zh-CN" dirty="0"/>
+              <a:t>( </a:t>
+            </a:r>
+            <a:r>
+              <a:rPr lang="en-US" altLang="zh-CN" dirty="0" err="1"/>
+              <a:t>addr</a:t>
+            </a:r>
+            <a:r>
+              <a:rPr lang="en-US" altLang="zh-CN" dirty="0"/>
+              <a:t> : </a:t>
+            </a:r>
+            <a:r>
+              <a:rPr lang="en-US" altLang="zh-CN" dirty="0" err="1"/>
+              <a:t>Int</a:t>
+            </a:r>
+            <a:r>
+              <a:rPr lang="en-US" altLang="zh-CN" dirty="0"/>
+              <a:t>, v : Float ) : Void</a:t>
+            </a:r>
+          </a:p>
+          <a:p>
+            <a:pPr marL="0" indent="0">
+              <a:buNone/>
+            </a:pPr>
+            <a:r>
+              <a:rPr lang="en-US" altLang="zh-CN" dirty="0"/>
+              <a:t>static inline function setI16( </a:t>
+            </a:r>
+            <a:r>
+              <a:rPr lang="en-US" altLang="zh-CN" dirty="0" err="1"/>
+              <a:t>addr</a:t>
+            </a:r>
+            <a:r>
+              <a:rPr lang="en-US" altLang="zh-CN" dirty="0"/>
+              <a:t> : </a:t>
+            </a:r>
+            <a:r>
+              <a:rPr lang="en-US" altLang="zh-CN" dirty="0" err="1"/>
+              <a:t>Int</a:t>
+            </a:r>
+            <a:r>
+              <a:rPr lang="en-US" altLang="zh-CN" dirty="0"/>
+              <a:t>, v : </a:t>
+            </a:r>
+            <a:r>
+              <a:rPr lang="en-US" altLang="zh-CN" dirty="0" err="1"/>
+              <a:t>Int</a:t>
+            </a:r>
+            <a:r>
+              <a:rPr lang="en-US" altLang="zh-CN" dirty="0"/>
+              <a:t> ) : Void</a:t>
+            </a:r>
+          </a:p>
+          <a:p>
+            <a:pPr marL="0" indent="0">
+              <a:buNone/>
+            </a:pPr>
+            <a:r>
+              <a:rPr lang="en-US" altLang="zh-CN" dirty="0"/>
+              <a:t>static inline function setI32( </a:t>
+            </a:r>
+            <a:r>
+              <a:rPr lang="en-US" altLang="zh-CN" dirty="0" err="1"/>
+              <a:t>addr</a:t>
+            </a:r>
+            <a:r>
+              <a:rPr lang="en-US" altLang="zh-CN" dirty="0"/>
+              <a:t> : </a:t>
+            </a:r>
+            <a:r>
+              <a:rPr lang="en-US" altLang="zh-CN" dirty="0" err="1"/>
+              <a:t>Int</a:t>
+            </a:r>
+            <a:r>
+              <a:rPr lang="en-US" altLang="zh-CN" dirty="0"/>
+              <a:t>, v : </a:t>
+            </a:r>
+            <a:r>
+              <a:rPr lang="en-US" altLang="zh-CN" dirty="0" err="1"/>
+              <a:t>Int</a:t>
+            </a:r>
+            <a:r>
+              <a:rPr lang="en-US" altLang="zh-CN" dirty="0"/>
+              <a:t> ) : Void</a:t>
+            </a:r>
+          </a:p>
+          <a:p>
+            <a:pPr marL="0" indent="0">
+              <a:buNone/>
+            </a:pPr>
+            <a:r>
+              <a:rPr lang="en-US" altLang="zh-CN" dirty="0"/>
+              <a:t>static inline function signExtend1( v : </a:t>
+            </a:r>
+            <a:r>
+              <a:rPr lang="en-US" altLang="zh-CN" dirty="0" err="1"/>
+              <a:t>Int</a:t>
+            </a:r>
+            <a:r>
+              <a:rPr lang="en-US" altLang="zh-CN" dirty="0"/>
+              <a:t> ) : </a:t>
+            </a:r>
+            <a:r>
+              <a:rPr lang="en-US" altLang="zh-CN" dirty="0" err="1"/>
+              <a:t>Int</a:t>
+            </a:r>
+            <a:endParaRPr lang="en-US" altLang="zh-CN" dirty="0"/>
+          </a:p>
+          <a:p>
+            <a:pPr marL="0" indent="0">
+              <a:buNone/>
+            </a:pPr>
+            <a:r>
+              <a:rPr lang="en-US" altLang="zh-CN" dirty="0"/>
+              <a:t>static inline function signExtend16( v : </a:t>
+            </a:r>
+            <a:r>
+              <a:rPr lang="en-US" altLang="zh-CN" dirty="0" err="1"/>
+              <a:t>Int</a:t>
+            </a:r>
+            <a:r>
+              <a:rPr lang="en-US" altLang="zh-CN" dirty="0"/>
+              <a:t> ) : </a:t>
+            </a:r>
+            <a:r>
+              <a:rPr lang="en-US" altLang="zh-CN" dirty="0" err="1"/>
+              <a:t>Int</a:t>
+            </a:r>
+            <a:endParaRPr lang="en-US" altLang="zh-CN" dirty="0"/>
+          </a:p>
+          <a:p>
+            <a:pPr marL="0" indent="0">
+              <a:buNone/>
+            </a:pPr>
+            <a:r>
+              <a:rPr lang="en-US" altLang="zh-CN" dirty="0"/>
+              <a:t>static inline function signExtend8( v : </a:t>
+            </a:r>
+            <a:r>
+              <a:rPr lang="en-US" altLang="zh-CN" dirty="0" err="1"/>
+              <a:t>Int</a:t>
+            </a:r>
+            <a:r>
+              <a:rPr lang="en-US" altLang="zh-CN" dirty="0"/>
+              <a:t> ) : </a:t>
+            </a:r>
+            <a:r>
+              <a:rPr lang="en-US" altLang="zh-CN" dirty="0" err="1"/>
+              <a:t>Int</a:t>
+            </a:r>
             <a:endParaRPr lang="zh-CN" altLang="en-US" dirty="0"/>
           </a:p>
         </p:txBody>
@@ -3719,28 +4133,16 @@
             <p:ph type="title"/>
           </p:nvPr>
         </p:nvSpPr>
-        <p:spPr/>
-        <p:txBody>
-          <a:bodyPr/>
-          <a:lstStyle/>
-          <a:p>
-            <a:endParaRPr lang="zh-CN" altLang="en-US"/>
-          </a:p>
-        </p:txBody>
-      </p:sp>
-      <p:sp>
-        <p:nvSpPr>
-          <p:cNvPr id="3" name="内容占位符 2"/>
-          <p:cNvSpPr>
-            <a:spLocks noGrp="1"/>
-          </p:cNvSpPr>
-          <p:nvPr>
-            <p:ph idx="1"/>
-          </p:nvPr>
-        </p:nvSpPr>
-        <p:spPr/>
-        <p:txBody>
-          <a:bodyPr/>
+        <p:spPr>
+          <a:xfrm>
+            <a:off x="457200" y="274638"/>
+            <a:ext cx="8229600" cy="922114"/>
+          </a:xfrm>
+        </p:spPr>
+        <p:txBody>
+          <a:bodyPr>
+            <a:normAutofit/>
+          </a:bodyPr>
           <a:lstStyle/>
           <a:p>
             <a:r>
@@ -3748,6 +4150,173 @@
               <a:t>Haxelib</a:t>
             </a:r>
             <a:endParaRPr lang="zh-CN" altLang="en-US" dirty="0"/>
+          </a:p>
+        </p:txBody>
+      </p:sp>
+      <p:sp>
+        <p:nvSpPr>
+          <p:cNvPr id="3" name="内容占位符 2"/>
+          <p:cNvSpPr>
+            <a:spLocks noGrp="1"/>
+          </p:cNvSpPr>
+          <p:nvPr>
+            <p:ph idx="1"/>
+          </p:nvPr>
+        </p:nvSpPr>
+        <p:spPr/>
+        <p:txBody>
+          <a:bodyPr>
+            <a:normAutofit/>
+          </a:bodyPr>
+          <a:lstStyle/>
+          <a:p>
+            <a:r>
+              <a:rPr lang="en-US" altLang="zh-CN" sz="2400" dirty="0" err="1" smtClean="0"/>
+              <a:t>haxelib</a:t>
+            </a:r>
+            <a:r>
+              <a:rPr lang="zh-CN" altLang="en-US" sz="2400" dirty="0"/>
+              <a:t>是一个用于开发者共享代码的</a:t>
+            </a:r>
+            <a:r>
+              <a:rPr lang="zh-CN" altLang="en-US" sz="2400" dirty="0" smtClean="0"/>
+              <a:t>工具</a:t>
+            </a:r>
+            <a:endParaRPr lang="en-US" altLang="zh-CN" sz="2400" dirty="0" smtClean="0"/>
+          </a:p>
+          <a:p>
+            <a:r>
+              <a:rPr lang="zh-CN" altLang="en-US" sz="2400" dirty="0"/>
+              <a:t>在命令行中使用</a:t>
+            </a:r>
+            <a:r>
+              <a:rPr lang="en-US" altLang="zh-CN" sz="2400" dirty="0" err="1"/>
+              <a:t>haxelib</a:t>
+            </a:r>
+            <a:r>
+              <a:rPr lang="en-US" altLang="zh-CN" sz="2400" dirty="0"/>
+              <a:t> install </a:t>
+            </a:r>
+            <a:r>
+              <a:rPr lang="en-US" altLang="zh-CN" sz="2400" dirty="0" smtClean="0"/>
+              <a:t>format(</a:t>
+            </a:r>
+            <a:r>
+              <a:rPr lang="zh-CN" altLang="en-US" sz="2400" dirty="0"/>
+              <a:t>库名字</a:t>
+            </a:r>
+            <a:r>
+              <a:rPr lang="en-US" altLang="zh-CN" sz="2400" dirty="0" smtClean="0"/>
+              <a:t>)</a:t>
+            </a:r>
+            <a:r>
+              <a:rPr lang="zh-CN" altLang="en-US" sz="2400" dirty="0" smtClean="0"/>
+              <a:t>来</a:t>
+            </a:r>
+            <a:r>
+              <a:rPr lang="zh-CN" altLang="en-US" sz="2400" dirty="0"/>
+              <a:t>下载</a:t>
+            </a:r>
+            <a:r>
+              <a:rPr lang="zh-CN" altLang="en-US" sz="2400" dirty="0" smtClean="0"/>
+              <a:t>库</a:t>
+            </a:r>
+            <a:endParaRPr lang="en-US" altLang="zh-CN" sz="2400" dirty="0" smtClean="0"/>
+          </a:p>
+          <a:p>
+            <a:r>
+              <a:rPr lang="zh-CN" altLang="en-US" sz="2400" dirty="0" smtClean="0"/>
+              <a:t>还可以使用</a:t>
+            </a:r>
+            <a:r>
+              <a:rPr lang="en-US" altLang="zh-CN" sz="2400" dirty="0" err="1" smtClean="0"/>
+              <a:t>haxelib</a:t>
+            </a:r>
+            <a:r>
+              <a:rPr lang="en-US" altLang="zh-CN" sz="2400" dirty="0" smtClean="0"/>
+              <a:t> </a:t>
+            </a:r>
+            <a:r>
+              <a:rPr lang="en-US" altLang="zh-CN" sz="2400" dirty="0" err="1" smtClean="0"/>
+              <a:t>git</a:t>
+            </a:r>
+            <a:r>
+              <a:rPr lang="en-US" altLang="zh-CN" sz="2400" dirty="0" smtClean="0"/>
+              <a:t> </a:t>
+            </a:r>
+            <a:r>
+              <a:rPr lang="en-US" altLang="zh-CN" sz="2400" dirty="0">
+                <a:hlinkClick r:id="rId2"/>
+              </a:rPr>
+              <a:t>https://</a:t>
+            </a:r>
+            <a:r>
+              <a:rPr lang="en-US" altLang="zh-CN" sz="2400" dirty="0" smtClean="0">
+                <a:hlinkClick r:id="rId2"/>
+              </a:rPr>
+              <a:t>github.com/ncannasse/hxsl</a:t>
+            </a:r>
+            <a:r>
+              <a:rPr lang="zh-CN" altLang="en-US" sz="2400" dirty="0" smtClean="0"/>
+              <a:t>下载代码</a:t>
+            </a:r>
+            <a:endParaRPr lang="en-US" altLang="zh-CN" sz="2400" dirty="0" smtClean="0"/>
+          </a:p>
+          <a:p>
+            <a:r>
+              <a:rPr lang="zh-CN" altLang="en-US" sz="2400" dirty="0" smtClean="0"/>
+              <a:t>执行</a:t>
+            </a:r>
+            <a:r>
+              <a:rPr lang="en-US" altLang="zh-CN" sz="2400" dirty="0" err="1" smtClean="0"/>
+              <a:t>haxelib</a:t>
+            </a:r>
+            <a:r>
+              <a:rPr lang="en-US" altLang="zh-CN" sz="2400" dirty="0" smtClean="0"/>
+              <a:t> upgrade</a:t>
+            </a:r>
+            <a:r>
+              <a:rPr lang="zh-CN" altLang="en-US" sz="2400" dirty="0" smtClean="0"/>
+              <a:t>会更新已安装的库到最新版本</a:t>
+            </a:r>
+            <a:endParaRPr lang="en-US" altLang="zh-CN" sz="2400" dirty="0" smtClean="0"/>
+          </a:p>
+          <a:p>
+            <a:r>
+              <a:rPr lang="zh-CN" altLang="en-US" sz="2400" dirty="0" smtClean="0"/>
+              <a:t>所以库文件都放在</a:t>
+            </a:r>
+            <a:r>
+              <a:rPr lang="en-US" altLang="zh-CN" sz="2400" dirty="0" err="1" smtClean="0"/>
+              <a:t>haxe</a:t>
+            </a:r>
+            <a:r>
+              <a:rPr lang="en-US" altLang="zh-CN" sz="2400" dirty="0" smtClean="0"/>
+              <a:t>/lib</a:t>
+            </a:r>
+            <a:r>
+              <a:rPr lang="zh-CN" altLang="en-US" sz="2400" dirty="0" smtClean="0"/>
+              <a:t>目录下</a:t>
+            </a:r>
+            <a:endParaRPr lang="en-US" altLang="zh-CN" sz="2400" dirty="0" smtClean="0"/>
+          </a:p>
+          <a:p>
+            <a:r>
+              <a:rPr lang="zh-CN" altLang="en-US" sz="2400" dirty="0" smtClean="0"/>
+              <a:t>项目中引用库时，添加一个编译参数，例如：</a:t>
+            </a:r>
+            <a:endParaRPr lang="en-US" altLang="zh-CN" sz="2400" dirty="0" smtClean="0"/>
+          </a:p>
+          <a:p>
+            <a:r>
+              <a:rPr lang="en-US" altLang="zh-CN" sz="2400" dirty="0" smtClean="0"/>
+              <a:t>-lib </a:t>
+            </a:r>
+            <a:r>
+              <a:rPr lang="en-US" altLang="zh-CN" sz="2400" dirty="0" err="1" smtClean="0"/>
+              <a:t>hxsl</a:t>
+            </a:r>
+            <a:endParaRPr lang="zh-CN" altLang="en-US" sz="2400" dirty="0"/>
           </a:p>
         </p:txBody>
       </p:sp>
@@ -3791,12 +4360,23 @@
             <p:ph type="title"/>
           </p:nvPr>
         </p:nvSpPr>
-        <p:spPr/>
-        <p:txBody>
-          <a:bodyPr/>
-          <a:lstStyle/>
-          <a:p>
-            <a:endParaRPr lang="zh-CN" altLang="en-US"/>
+        <p:spPr>
+          <a:xfrm>
+            <a:off x="457200" y="274638"/>
+            <a:ext cx="8229600" cy="706090"/>
+          </a:xfrm>
+        </p:spPr>
+        <p:txBody>
+          <a:bodyPr>
+            <a:normAutofit fontScale="90000"/>
+          </a:bodyPr>
+          <a:lstStyle/>
+          <a:p>
+            <a:r>
+              <a:rPr lang="en-US" altLang="zh-CN" dirty="0" err="1" smtClean="0"/>
+              <a:t>Hxsl</a:t>
+            </a:r>
+            <a:endParaRPr lang="zh-CN" altLang="en-US" dirty="0"/>
           </a:p>
         </p:txBody>
       </p:sp>
@@ -3810,18 +4390,175 @@
             <p:ph idx="1"/>
           </p:nvPr>
         </p:nvSpPr>
-        <p:spPr/>
-        <p:txBody>
-          <a:bodyPr/>
+        <p:spPr>
+          <a:xfrm>
+            <a:off x="467544" y="1052736"/>
+            <a:ext cx="8229600" cy="864096"/>
+          </a:xfrm>
+        </p:spPr>
+        <p:txBody>
+          <a:bodyPr>
+            <a:normAutofit lnSpcReduction="10000"/>
+          </a:bodyPr>
           <a:lstStyle/>
           <a:p>
             <a:pPr marL="0" indent="0">
               <a:buNone/>
             </a:pPr>
             <a:r>
+              <a:rPr lang="en-US" altLang="zh-CN" sz="2400" dirty="0" err="1"/>
+              <a:t>HxSL</a:t>
+            </a:r>
+            <a:r>
+              <a:rPr lang="en-US" altLang="zh-CN" sz="2400" dirty="0"/>
+              <a:t> </a:t>
+            </a:r>
+            <a:r>
+              <a:rPr lang="en-US" altLang="zh-CN" sz="2400" dirty="0" smtClean="0"/>
+              <a:t>- </a:t>
+            </a:r>
+            <a:r>
+              <a:rPr lang="en-US" altLang="zh-CN" sz="2400" dirty="0" err="1"/>
+              <a:t>Haxe</a:t>
+            </a:r>
+            <a:r>
+              <a:rPr lang="en-US" altLang="zh-CN" sz="2400" dirty="0"/>
+              <a:t> </a:t>
+            </a:r>
+            <a:r>
+              <a:rPr lang="en-US" altLang="zh-CN" sz="2400" dirty="0" err="1"/>
+              <a:t>Shader</a:t>
+            </a:r>
+            <a:r>
+              <a:rPr lang="en-US" altLang="zh-CN" sz="2400" dirty="0"/>
+              <a:t> Language(</a:t>
+            </a:r>
+            <a:r>
+              <a:rPr lang="en-US" altLang="zh-CN" sz="2400" dirty="0" err="1"/>
+              <a:t>Haxe</a:t>
+            </a:r>
+            <a:r>
+              <a:rPr lang="zh-CN" altLang="en-US" sz="2400" dirty="0"/>
+              <a:t>着色器语言</a:t>
+            </a:r>
+            <a:r>
+              <a:rPr lang="en-US" altLang="zh-CN" sz="2400" dirty="0" smtClean="0"/>
+              <a:t>)</a:t>
+            </a:r>
+          </a:p>
+          <a:p>
+            <a:pPr marL="0" indent="0">
+              <a:buNone/>
+            </a:pPr>
+            <a:r>
+              <a:rPr lang="en-US" altLang="zh-CN" sz="2400" dirty="0">
+                <a:hlinkClick r:id="rId2"/>
+              </a:rPr>
+              <a:t>http://haxe.org/manual/hxsl?lang=cn</a:t>
+            </a:r>
+            <a:endParaRPr lang="en-US" altLang="zh-CN" sz="2400" dirty="0" smtClean="0"/>
+          </a:p>
+        </p:txBody>
+      </p:sp>
+      <p:pic>
+        <p:nvPicPr>
+          <p:cNvPr id="4" name="图片 3"/>
+          <p:cNvPicPr>
+            <a:picLocks noChangeAspect="1"/>
+          </p:cNvPicPr>
+          <p:nvPr/>
+        </p:nvPicPr>
+        <p:blipFill>
+          <a:blip r:embed="rId3">
+            <a:extLst>
+              <a:ext uri="{28A0092B-C50C-407E-A947-70E740481C1C}">
+                <a14:useLocalDpi xmlns:a14="http://schemas.microsoft.com/office/drawing/2010/main" val="0"/>
+              </a:ext>
+            </a:extLst>
+          </a:blip>
+          <a:stretch>
+            <a:fillRect/>
+          </a:stretch>
+        </p:blipFill>
+        <p:spPr>
+          <a:xfrm>
+            <a:off x="539552" y="1976437"/>
+            <a:ext cx="4743450" cy="2905125"/>
+          </a:xfrm>
+          <a:prstGeom prst="rect">
+            <a:avLst/>
+          </a:prstGeom>
+        </p:spPr>
+      </p:pic>
+      <p:sp>
+        <p:nvSpPr>
+          <p:cNvPr id="6" name="TextBox 5"/>
+          <p:cNvSpPr txBox="1"/>
+          <p:nvPr/>
+        </p:nvSpPr>
+        <p:spPr>
+          <a:xfrm>
+            <a:off x="539552" y="5608552"/>
+            <a:ext cx="7848872" cy="646331"/>
+          </a:xfrm>
+          <a:prstGeom prst="rect">
+            <a:avLst/>
+          </a:prstGeom>
+          <a:noFill/>
+        </p:spPr>
+        <p:txBody>
+          <a:bodyPr wrap="square" rtlCol="0">
+            <a:spAutoFit/>
+          </a:bodyPr>
+          <a:lstStyle/>
+          <a:p>
+            <a:r>
               <a:rPr lang="en-US" altLang="zh-CN" dirty="0" smtClean="0"/>
-              <a:t>HXSL</a:t>
-            </a:r>
+              <a:t>h3d,h2d</a:t>
+            </a:r>
+          </a:p>
+          <a:p>
+            <a:r>
+              <a:rPr lang="en-US" altLang="zh-CN" dirty="0">
+                <a:hlinkClick r:id="rId4"/>
+              </a:rPr>
+              <a:t>https://github.com/ncannasse/h3d</a:t>
+            </a:r>
+            <a:endParaRPr lang="en-US" altLang="zh-CN" dirty="0" smtClean="0"/>
+          </a:p>
+        </p:txBody>
+      </p:sp>
+      <p:sp>
+        <p:nvSpPr>
+          <p:cNvPr id="5" name="TextBox 4"/>
+          <p:cNvSpPr txBox="1"/>
+          <p:nvPr/>
+        </p:nvSpPr>
+        <p:spPr>
+          <a:xfrm>
+            <a:off x="539552" y="5116542"/>
+            <a:ext cx="5832648" cy="369332"/>
+          </a:xfrm>
+          <a:prstGeom prst="rect">
+            <a:avLst/>
+          </a:prstGeom>
+          <a:noFill/>
+        </p:spPr>
+        <p:txBody>
+          <a:bodyPr wrap="square" rtlCol="0">
+            <a:spAutoFit/>
+          </a:bodyPr>
+          <a:lstStyle/>
+          <a:p>
+            <a:r>
+              <a:rPr lang="en-US" altLang="zh-CN" dirty="0" err="1" smtClean="0"/>
+              <a:t>Shader</a:t>
+            </a:r>
+            <a:r>
+              <a:rPr lang="zh-CN" altLang="en-US" dirty="0" smtClean="0"/>
+              <a:t>会在编译时直接生成</a:t>
+            </a:r>
+            <a:endParaRPr lang="zh-CN" altLang="en-US" dirty="0"/>
           </a:p>
         </p:txBody>
       </p:sp>
@@ -4017,7 +4754,11 @@
           <a:bodyPr/>
           <a:lstStyle/>
           <a:p>
-            <a:endParaRPr lang="zh-CN" altLang="en-US"/>
+            <a:r>
+              <a:rPr lang="en-US" altLang="zh-CN" dirty="0" smtClean="0"/>
+              <a:t>Haxe2As3</a:t>
+            </a:r>
+            <a:endParaRPr lang="zh-CN" altLang="en-US" dirty="0"/>
           </a:p>
         </p:txBody>
       </p:sp>
@@ -4033,21 +4774,141 @@
         </p:nvSpPr>
         <p:spPr/>
         <p:txBody>
-          <a:bodyPr/>
+          <a:bodyPr>
+            <a:normAutofit/>
+          </a:bodyPr>
           <a:lstStyle/>
           <a:p>
             <a:pPr marL="0" indent="0">
               <a:buNone/>
             </a:pPr>
             <a:r>
-              <a:rPr lang="en-US" altLang="zh-CN" dirty="0" smtClean="0"/>
-              <a:t>SWC,as3</a:t>
-            </a:r>
-            <a:r>
-              <a:rPr lang="zh-CN" altLang="en-US" dirty="0" smtClean="0"/>
+              <a:rPr lang="en-US" altLang="zh-CN" sz="2400" dirty="0" smtClean="0"/>
+              <a:t>SWC</a:t>
+            </a:r>
+            <a:r>
+              <a:rPr lang="zh-CN" altLang="en-US" sz="2400" dirty="0" smtClean="0"/>
+              <a:t>生成</a:t>
+            </a:r>
+            <a:endParaRPr lang="en-US" altLang="zh-CN" sz="2400" dirty="0" smtClean="0"/>
+          </a:p>
+          <a:p>
+            <a:r>
+              <a:rPr lang="en-US" altLang="zh-CN" sz="2400" dirty="0" err="1"/>
+              <a:t>haxe</a:t>
+            </a:r>
+            <a:r>
+              <a:rPr lang="en-US" altLang="zh-CN" sz="2400" dirty="0"/>
+              <a:t> -</a:t>
+            </a:r>
+            <a:r>
+              <a:rPr lang="en-US" altLang="zh-CN" sz="2400" dirty="0" err="1"/>
+              <a:t>swf</a:t>
+            </a:r>
+            <a:r>
+              <a:rPr lang="en-US" altLang="zh-CN" sz="2400" dirty="0"/>
+              <a:t> </a:t>
+            </a:r>
+            <a:r>
+              <a:rPr lang="en-US" altLang="zh-CN" sz="2400" dirty="0" err="1"/>
+              <a:t>mylib.swc</a:t>
+            </a:r>
+            <a:r>
+              <a:rPr lang="en-US" altLang="zh-CN" sz="2400" dirty="0"/>
+              <a:t> </a:t>
+            </a:r>
+            <a:r>
+              <a:rPr lang="en-US" altLang="zh-CN" sz="2400" dirty="0" err="1"/>
+              <a:t>MyLibClasses</a:t>
+            </a:r>
+            <a:endParaRPr lang="en-US" altLang="zh-CN" sz="2400" dirty="0"/>
+          </a:p>
+          <a:p>
+            <a:r>
+              <a:rPr lang="zh-CN" altLang="en-US" sz="2400" dirty="0"/>
+              <a:t>如果你想把整个库编译到</a:t>
+            </a:r>
+            <a:r>
+              <a:rPr lang="en-US" altLang="zh-CN" sz="2400" dirty="0"/>
+              <a:t>SWC</a:t>
+            </a:r>
+            <a:r>
+              <a:rPr lang="zh-CN" altLang="en-US" sz="2400" dirty="0"/>
+              <a:t>文件里，你可以使用命令参数 </a:t>
+            </a:r>
+            <a:r>
+              <a:rPr lang="en-US" altLang="zh-CN" sz="2400" dirty="0"/>
+              <a:t>--macro include('</a:t>
+            </a:r>
+            <a:r>
+              <a:rPr lang="zh-CN" altLang="en-US" sz="2400" dirty="0"/>
+              <a:t>要导出的包</a:t>
+            </a:r>
+            <a:r>
+              <a:rPr lang="en-US" altLang="zh-CN" sz="2400" dirty="0"/>
+              <a:t>')</a:t>
+            </a:r>
+            <a:r>
+              <a:rPr lang="zh-CN" altLang="en-US" sz="2400" dirty="0"/>
+              <a:t>，这样将导出给定包以及子包下所有文件</a:t>
+            </a:r>
+            <a:r>
+              <a:rPr lang="zh-CN" altLang="en-US" sz="2400" dirty="0" smtClean="0"/>
+              <a:t>。</a:t>
+            </a:r>
+            <a:endParaRPr lang="en-US" altLang="zh-CN" sz="2400" dirty="0" smtClean="0"/>
+          </a:p>
+          <a:p>
+            <a:pPr marL="0" indent="0">
+              <a:buNone/>
+            </a:pPr>
+            <a:r>
+              <a:rPr lang="en-US" altLang="zh-CN" sz="2400" dirty="0" smtClean="0"/>
+              <a:t>as3</a:t>
+            </a:r>
+            <a:r>
+              <a:rPr lang="zh-CN" altLang="en-US" sz="2400" dirty="0" smtClean="0"/>
               <a:t>代码生成</a:t>
             </a:r>
-            <a:endParaRPr lang="zh-CN" altLang="en-US" dirty="0"/>
+            <a:endParaRPr lang="en-US" altLang="zh-CN" sz="2400" dirty="0" smtClean="0"/>
+          </a:p>
+          <a:p>
+            <a:pPr marL="0" indent="0">
+              <a:buNone/>
+            </a:pPr>
+            <a:r>
+              <a:rPr lang="en-US" altLang="zh-CN" sz="2400" dirty="0"/>
+              <a:t> </a:t>
+            </a:r>
+            <a:r>
+              <a:rPr lang="en-US" altLang="zh-CN" sz="2400" dirty="0" smtClean="0"/>
+              <a:t>     </a:t>
+            </a:r>
+            <a:r>
+              <a:rPr lang="en-US" altLang="zh-CN" sz="2400" dirty="0" err="1" smtClean="0"/>
+              <a:t>haxe</a:t>
+            </a:r>
+            <a:r>
+              <a:rPr lang="en-US" altLang="zh-CN" sz="2400" dirty="0" smtClean="0"/>
+              <a:t> -</a:t>
+            </a:r>
+            <a:r>
+              <a:rPr lang="en-US" altLang="zh-CN" sz="2400" dirty="0"/>
+              <a:t>main </a:t>
+            </a:r>
+            <a:r>
+              <a:rPr lang="en-US" altLang="zh-CN" sz="2400" dirty="0" err="1"/>
+              <a:t>Main</a:t>
+            </a:r>
+            <a:r>
+              <a:rPr lang="en-US" altLang="zh-CN" sz="2400" dirty="0"/>
+              <a:t> -as3 </a:t>
+            </a:r>
+            <a:r>
+              <a:rPr lang="en-US" altLang="zh-CN" sz="2400" dirty="0" smtClean="0"/>
+              <a:t>as3src</a:t>
+            </a:r>
+            <a:endParaRPr lang="zh-CN" altLang="en-US" sz="2400" dirty="0"/>
           </a:p>
         </p:txBody>
       </p:sp>
@@ -4091,12 +4952,25 @@
             <p:ph type="title"/>
           </p:nvPr>
         </p:nvSpPr>
-        <p:spPr/>
+        <p:spPr>
+          <a:xfrm>
+            <a:off x="457200" y="274638"/>
+            <a:ext cx="8229600" cy="778098"/>
+          </a:xfrm>
+        </p:spPr>
         <p:txBody>
           <a:bodyPr/>
           <a:lstStyle/>
           <a:p>
-            <a:endParaRPr lang="zh-CN" altLang="en-US"/>
+            <a:r>
+              <a:rPr lang="zh-CN" altLang="en-US" dirty="0" smtClean="0"/>
+              <a:t>生成</a:t>
+            </a:r>
+            <a:r>
+              <a:rPr lang="en-US" altLang="zh-CN" dirty="0" smtClean="0"/>
+              <a:t>JavaScript</a:t>
+            </a:r>
+            <a:endParaRPr lang="zh-CN" altLang="en-US" dirty="0"/>
           </a:p>
         </p:txBody>
       </p:sp>
@@ -4110,20 +4984,124 @@
             <p:ph idx="1"/>
           </p:nvPr>
         </p:nvSpPr>
-        <p:spPr/>
-        <p:txBody>
-          <a:bodyPr/>
-          <a:lstStyle/>
-          <a:p>
-            <a:r>
-              <a:rPr lang="en-US" altLang="zh-CN" dirty="0" smtClean="0"/>
-              <a:t>JS </a:t>
-            </a:r>
-            <a:r>
-              <a:rPr lang="en-US" altLang="zh-CN" dirty="0" err="1" smtClean="0"/>
-              <a:t>Webgl,debug</a:t>
-            </a:r>
-            <a:endParaRPr lang="zh-CN" altLang="en-US" dirty="0"/>
+        <p:spPr>
+          <a:xfrm>
+            <a:off x="457200" y="1600201"/>
+            <a:ext cx="8229600" cy="2044824"/>
+          </a:xfrm>
+        </p:spPr>
+        <p:txBody>
+          <a:bodyPr>
+            <a:normAutofit lnSpcReduction="10000"/>
+          </a:bodyPr>
+          <a:lstStyle/>
+          <a:p>
+            <a:r>
+              <a:rPr lang="zh-CN" altLang="en-US" sz="2400" dirty="0" smtClean="0"/>
+              <a:t>使用</a:t>
+            </a:r>
+            <a:r>
+              <a:rPr lang="en-US" altLang="zh-CN" sz="2400" dirty="0" err="1" smtClean="0"/>
+              <a:t>Haxe</a:t>
+            </a:r>
+            <a:r>
+              <a:rPr lang="zh-CN" altLang="en-US" sz="2400" dirty="0" smtClean="0"/>
+              <a:t>编写</a:t>
+            </a:r>
+            <a:r>
+              <a:rPr lang="en-US" altLang="zh-CN" sz="2400" b="1" dirty="0"/>
+              <a:t>Web </a:t>
+            </a:r>
+            <a:r>
+              <a:rPr lang="en-US" altLang="zh-CN" sz="2400" b="1" dirty="0" smtClean="0"/>
+              <a:t>APP</a:t>
+            </a:r>
+            <a:r>
+              <a:rPr lang="zh-CN" altLang="en-US" sz="2400" dirty="0" smtClean="0"/>
+              <a:t>，可以极大的提高工作效率。</a:t>
+            </a:r>
+            <a:endParaRPr lang="en-US" altLang="zh-CN" sz="2400" dirty="0" smtClean="0"/>
+          </a:p>
+          <a:p>
+            <a:r>
+              <a:rPr lang="zh-CN" altLang="en-US" sz="2400" dirty="0"/>
+              <a:t>可以在</a:t>
+            </a:r>
+            <a:r>
+              <a:rPr lang="en-US" altLang="zh-CN" sz="2400" dirty="0"/>
+              <a:t>chrome</a:t>
+            </a:r>
+            <a:r>
+              <a:rPr lang="zh-CN" altLang="en-US" sz="2400" dirty="0"/>
+              <a:t>中使用</a:t>
+            </a:r>
+            <a:r>
+              <a:rPr lang="en-US" altLang="zh-CN" sz="2400" dirty="0" err="1"/>
+              <a:t>Haxe</a:t>
+            </a:r>
+            <a:r>
+              <a:rPr lang="zh-CN" altLang="en-US" sz="2400" dirty="0"/>
+              <a:t>源代码</a:t>
+            </a:r>
+            <a:r>
+              <a:rPr lang="en-US" altLang="zh-CN" sz="2400" dirty="0" smtClean="0"/>
+              <a:t>debug</a:t>
+            </a:r>
+            <a:endParaRPr lang="en-US" altLang="zh-CN" sz="2400" dirty="0"/>
+          </a:p>
+          <a:p>
+            <a:pPr marL="0" indent="0">
+              <a:buNone/>
+            </a:pPr>
+            <a:r>
+              <a:rPr lang="en-US" altLang="zh-CN" sz="2400" dirty="0"/>
+              <a:t>     Settings-General-Enable Source maps</a:t>
+            </a:r>
+          </a:p>
+          <a:p>
+            <a:r>
+              <a:rPr lang="zh-CN" altLang="en-US" sz="2400" dirty="0"/>
+              <a:t>可以通过</a:t>
+            </a:r>
+            <a:r>
+              <a:rPr lang="en-US" altLang="zh-CN" sz="2400" dirty="0" err="1"/>
+              <a:t>Haxe</a:t>
+            </a:r>
+            <a:r>
+              <a:rPr lang="en-US" altLang="zh-CN" sz="2400" dirty="0"/>
+              <a:t> externs</a:t>
+            </a:r>
+            <a:r>
+              <a:rPr lang="zh-CN" altLang="en-US" sz="2400" dirty="0"/>
+              <a:t>使用现有的</a:t>
+            </a:r>
+            <a:r>
+              <a:rPr lang="en-US" altLang="zh-CN" sz="2400" dirty="0" err="1"/>
+              <a:t>js</a:t>
+            </a:r>
+            <a:r>
+              <a:rPr lang="zh-CN" altLang="en-US" sz="2400" dirty="0"/>
+              <a:t>库</a:t>
+            </a:r>
+            <a:endParaRPr lang="en-US" altLang="zh-CN" sz="2400" dirty="0"/>
+          </a:p>
+          <a:p>
+            <a:pPr marL="0" indent="0">
+              <a:buNone/>
+            </a:pPr>
+            <a:r>
+              <a:rPr lang="en-US" altLang="zh-CN" sz="2400" dirty="0" smtClean="0">
+                <a:hlinkClick r:id="rId2"/>
+              </a:rPr>
+              <a:t> </a:t>
+            </a:r>
+            <a:r>
+              <a:rPr lang="en-US" altLang="zh-CN" sz="2400" dirty="0">
+                <a:hlinkClick r:id="rId2"/>
+              </a:rPr>
+              <a:t>https://github.com/labe-me/haxe-three.js</a:t>
+            </a:r>
+            <a:endParaRPr lang="en-US" altLang="zh-CN" sz="2400" dirty="0"/>
           </a:p>
         </p:txBody>
       </p:sp>
@@ -4157,6 +5135,217 @@
           <a:chExt cx="0" cy="0"/>
         </a:xfrm>
       </p:grpSpPr>
+      <p:pic>
+        <p:nvPicPr>
+          <p:cNvPr id="5" name="图片 4"/>
+          <p:cNvPicPr>
+            <a:picLocks noChangeAspect="1"/>
+          </p:cNvPicPr>
+          <p:nvPr/>
+        </p:nvPicPr>
+        <p:blipFill>
+          <a:blip r:embed="rId2">
+            <a:extLst>
+              <a:ext uri="{28A0092B-C50C-407E-A947-70E740481C1C}">
+                <a14:useLocalDpi xmlns:a14="http://schemas.microsoft.com/office/drawing/2010/main" val="0"/>
+              </a:ext>
+            </a:extLst>
+          </a:blip>
+          <a:stretch>
+            <a:fillRect/>
+          </a:stretch>
+        </p:blipFill>
+        <p:spPr>
+          <a:xfrm>
+            <a:off x="4067944" y="2677294"/>
+            <a:ext cx="4981575" cy="4171950"/>
+          </a:xfrm>
+          <a:prstGeom prst="rect">
+            <a:avLst/>
+          </a:prstGeom>
+        </p:spPr>
+      </p:pic>
+      <p:pic>
+        <p:nvPicPr>
+          <p:cNvPr id="4" name="内容占位符 3"/>
+          <p:cNvPicPr>
+            <a:picLocks noGrp="1" noChangeAspect="1"/>
+          </p:cNvPicPr>
+          <p:nvPr>
+            <p:ph idx="1"/>
+          </p:nvPr>
+        </p:nvPicPr>
+        <p:blipFill>
+          <a:blip r:embed="rId3">
+            <a:extLst>
+              <a:ext uri="{28A0092B-C50C-407E-A947-70E740481C1C}">
+                <a14:useLocalDpi xmlns:a14="http://schemas.microsoft.com/office/drawing/2010/main" val="0"/>
+              </a:ext>
+            </a:extLst>
+          </a:blip>
+          <a:stretch>
+            <a:fillRect/>
+          </a:stretch>
+        </p:blipFill>
+        <p:spPr>
+          <a:xfrm>
+            <a:off x="251520" y="1268760"/>
+            <a:ext cx="6624736" cy="3762196"/>
+          </a:xfrm>
+          <a:prstGeom prst="rect">
+            <a:avLst/>
+          </a:prstGeom>
+        </p:spPr>
+      </p:pic>
+      <p:sp>
+        <p:nvSpPr>
+          <p:cNvPr id="2" name="TextBox 1"/>
+          <p:cNvSpPr txBox="1"/>
+          <p:nvPr/>
+        </p:nvSpPr>
+        <p:spPr>
+          <a:xfrm>
+            <a:off x="323528" y="620688"/>
+            <a:ext cx="7416824" cy="369332"/>
+          </a:xfrm>
+          <a:prstGeom prst="rect">
+            <a:avLst/>
+          </a:prstGeom>
+          <a:noFill/>
+        </p:spPr>
+        <p:txBody>
+          <a:bodyPr wrap="square" rtlCol="0">
+            <a:spAutoFit/>
+          </a:bodyPr>
+          <a:lstStyle/>
+          <a:p>
+            <a:r>
+              <a:rPr lang="en-US" altLang="zh-CN" dirty="0" err="1" smtClean="0"/>
+              <a:t>Haxe</a:t>
+            </a:r>
+            <a:endParaRPr lang="zh-CN" altLang="en-US" dirty="0"/>
+          </a:p>
+        </p:txBody>
+      </p:sp>
+    </p:spTree>
+    <p:extLst>
+      <p:ext uri="{BB962C8B-B14F-4D97-AF65-F5344CB8AC3E}">
+        <p14:creationId xmlns:p14="http://schemas.microsoft.com/office/powerpoint/2010/main" val="1097475386"/>
+      </p:ext>
+    </p:extLst>
+  </p:cSld>
+  <p:clrMapOvr>
+    <a:masterClrMapping/>
+  </p:clrMapOvr>
+</p:sld>
+</file>
+
+<file path=ppt/slides/slide18.xml><?xml version="1.0" encoding="utf-8"?>
+<p:sld xmlns:a="http://schemas.openxmlformats.org/drawingml/2006/main" xmlns:r="http://schemas.openxmlformats.org/officeDocument/2006/relationships" xmlns:p="http://schemas.openxmlformats.org/presentationml/2006/main">
+  <p:cSld>
+    <p:spTree>
+      <p:nvGrpSpPr>
+        <p:cNvPr id="1" name=""/>
+        <p:cNvGrpSpPr/>
+        <p:nvPr/>
+      </p:nvGrpSpPr>
+      <p:grpSpPr>
+        <a:xfrm>
+          <a:off x="0" y="0"/>
+          <a:ext cx="0" cy="0"/>
+          <a:chOff x="0" y="0"/>
+          <a:chExt cx="0" cy="0"/>
+        </a:xfrm>
+      </p:grpSpPr>
+      <p:sp>
+        <p:nvSpPr>
+          <p:cNvPr id="2" name="标题 1"/>
+          <p:cNvSpPr>
+            <a:spLocks noGrp="1"/>
+          </p:cNvSpPr>
+          <p:nvPr>
+            <p:ph type="title"/>
+          </p:nvPr>
+        </p:nvSpPr>
+        <p:spPr>
+          <a:xfrm>
+            <a:off x="457200" y="274638"/>
+            <a:ext cx="8229600" cy="634082"/>
+          </a:xfrm>
+        </p:spPr>
+        <p:txBody>
+          <a:bodyPr>
+            <a:normAutofit fontScale="90000"/>
+          </a:bodyPr>
+          <a:lstStyle/>
+          <a:p>
+            <a:r>
+              <a:rPr lang="en-US" altLang="zh-CN" dirty="0" smtClean="0"/>
+              <a:t>Three.js</a:t>
+            </a:r>
+            <a:endParaRPr lang="zh-CN" altLang="en-US" dirty="0"/>
+          </a:p>
+        </p:txBody>
+      </p:sp>
+      <p:pic>
+        <p:nvPicPr>
+          <p:cNvPr id="4" name="内容占位符 3"/>
+          <p:cNvPicPr>
+            <a:picLocks noGrp="1" noChangeAspect="1"/>
+          </p:cNvPicPr>
+          <p:nvPr>
+            <p:ph idx="1"/>
+          </p:nvPr>
+        </p:nvPicPr>
+        <p:blipFill>
+          <a:blip r:embed="rId2">
+            <a:extLst>
+              <a:ext uri="{28A0092B-C50C-407E-A947-70E740481C1C}">
+                <a14:useLocalDpi xmlns:a14="http://schemas.microsoft.com/office/drawing/2010/main" val="0"/>
+              </a:ext>
+            </a:extLst>
+          </a:blip>
+          <a:stretch>
+            <a:fillRect/>
+          </a:stretch>
+        </p:blipFill>
+        <p:spPr>
+          <a:xfrm>
+            <a:off x="2195736" y="1124744"/>
+            <a:ext cx="4622576" cy="4525963"/>
+          </a:xfrm>
+        </p:spPr>
+      </p:pic>
+    </p:spTree>
+    <p:extLst>
+      <p:ext uri="{BB962C8B-B14F-4D97-AF65-F5344CB8AC3E}">
+        <p14:creationId xmlns:p14="http://schemas.microsoft.com/office/powerpoint/2010/main" val="1754596273"/>
+      </p:ext>
+    </p:extLst>
+  </p:cSld>
+  <p:clrMapOvr>
+    <a:masterClrMapping/>
+  </p:clrMapOvr>
+</p:sld>
+</file>
+
+<file path=ppt/slides/slide19.xml><?xml version="1.0" encoding="utf-8"?>
+<p:sld xmlns:a="http://schemas.openxmlformats.org/drawingml/2006/main" xmlns:r="http://schemas.openxmlformats.org/officeDocument/2006/relationships" xmlns:p="http://schemas.openxmlformats.org/presentationml/2006/main">
+  <p:cSld>
+    <p:spTree>
+      <p:nvGrpSpPr>
+        <p:cNvPr id="1" name=""/>
+        <p:cNvGrpSpPr/>
+        <p:nvPr/>
+      </p:nvGrpSpPr>
+      <p:grpSpPr>
+        <a:xfrm>
+          <a:off x="0" y="0"/>
+          <a:ext cx="0" cy="0"/>
+          <a:chOff x="0" y="0"/>
+          <a:chExt cx="0" cy="0"/>
+        </a:xfrm>
+      </p:grpSpPr>
       <p:sp>
         <p:nvSpPr>
           <p:cNvPr id="2" name="标题 1"/>
@@ -4192,10 +5381,88 @@
         </p:nvSpPr>
         <p:spPr/>
         <p:txBody>
-          <a:bodyPr/>
-          <a:lstStyle/>
-          <a:p>
-            <a:endParaRPr lang="zh-CN" altLang="en-US" dirty="0"/>
+          <a:bodyPr>
+            <a:normAutofit/>
+          </a:bodyPr>
+          <a:lstStyle/>
+          <a:p>
+            <a:r>
+              <a:rPr lang="en-US" altLang="zh-CN" sz="2400" dirty="0">
+                <a:hlinkClick r:id="rId2"/>
+              </a:rPr>
+              <a:t>http://www.nme.io</a:t>
+            </a:r>
+            <a:r>
+              <a:rPr lang="en-US" altLang="zh-CN" sz="2400" dirty="0" smtClean="0">
+                <a:hlinkClick r:id="rId2"/>
+              </a:rPr>
+              <a:t>/</a:t>
+            </a:r>
+            <a:endParaRPr lang="en-US" altLang="zh-CN" sz="2400" dirty="0" smtClean="0"/>
+          </a:p>
+          <a:p>
+            <a:r>
+              <a:rPr lang="en-US" altLang="zh-CN" sz="2400" dirty="0"/>
+              <a:t>NME is an exciting cross-platform framework with support for Windows, Mac, Linux, </a:t>
+            </a:r>
+            <a:r>
+              <a:rPr lang="en-US" altLang="zh-CN" sz="2400" dirty="0" err="1"/>
+              <a:t>iOS</a:t>
+            </a:r>
+            <a:r>
+              <a:rPr lang="en-US" altLang="zh-CN" sz="2400" dirty="0"/>
+              <a:t>, Android, BlackBerry, Flash and even </a:t>
+            </a:r>
+            <a:r>
+              <a:rPr lang="en-US" altLang="zh-CN" sz="2400" dirty="0" smtClean="0"/>
+              <a:t>HTML</a:t>
+            </a:r>
+          </a:p>
+          <a:p>
+            <a:r>
+              <a:rPr lang="en-US" altLang="zh-CN" sz="2400" dirty="0"/>
+              <a:t>Get the best performance possible with native builds for mobile and desktop, with no overhead from scripting languages or virtual machines.</a:t>
+            </a:r>
+            <a:endParaRPr lang="en-US" altLang="zh-CN" sz="2400" dirty="0" smtClean="0"/>
+          </a:p>
+          <a:p>
+            <a:r>
+              <a:rPr lang="en-US" altLang="zh-CN" sz="2400" dirty="0" smtClean="0"/>
+              <a:t>NME</a:t>
+            </a:r>
+            <a:r>
+              <a:rPr lang="zh-CN" altLang="en-US" sz="2400" dirty="0" smtClean="0"/>
+              <a:t>使用的</a:t>
+            </a:r>
+            <a:r>
+              <a:rPr lang="en-US" altLang="zh-CN" sz="2400" dirty="0" smtClean="0"/>
+              <a:t>API</a:t>
+            </a:r>
+            <a:r>
+              <a:rPr lang="zh-CN" altLang="en-US" sz="2400" dirty="0" smtClean="0"/>
+              <a:t>基本和</a:t>
+            </a:r>
+            <a:r>
+              <a:rPr lang="en-US" altLang="zh-CN" sz="2400" dirty="0" smtClean="0"/>
+              <a:t>Flash</a:t>
+            </a:r>
+            <a:r>
+              <a:rPr lang="zh-CN" altLang="en-US" sz="2400" dirty="0" smtClean="0"/>
+              <a:t>的差不多</a:t>
+            </a:r>
+            <a:r>
+              <a:rPr lang="en-US" altLang="zh-CN" sz="2400" dirty="0" smtClean="0"/>
+              <a:t>.</a:t>
+            </a:r>
+          </a:p>
+          <a:p>
+            <a:r>
+              <a:rPr lang="en-US" altLang="zh-CN" sz="2400" dirty="0">
+                <a:hlinkClick r:id="rId3"/>
+              </a:rPr>
+              <a:t>http://www.nme.io/api/</a:t>
+            </a:r>
+            <a:endParaRPr lang="zh-CN" altLang="en-US" sz="2400" dirty="0"/>
           </a:p>
         </p:txBody>
       </p:sp>
@@ -4396,6 +5663,99 @@
     <p:extLst>
       <p:ext uri="{BB962C8B-B14F-4D97-AF65-F5344CB8AC3E}">
         <p14:creationId xmlns:p14="http://schemas.microsoft.com/office/powerpoint/2010/main" val="3054952569"/>
+      </p:ext>
+    </p:extLst>
+  </p:cSld>
+  <p:clrMapOvr>
+    <a:masterClrMapping/>
+  </p:clrMapOvr>
+</p:sld>
+</file>
+
+<file path=ppt/slides/slide20.xml><?xml version="1.0" encoding="utf-8"?>
+<p:sld xmlns:a="http://schemas.openxmlformats.org/drawingml/2006/main" xmlns:r="http://schemas.openxmlformats.org/officeDocument/2006/relationships" xmlns:p="http://schemas.openxmlformats.org/presentationml/2006/main">
+  <p:cSld>
+    <p:spTree>
+      <p:nvGrpSpPr>
+        <p:cNvPr id="1" name=""/>
+        <p:cNvGrpSpPr/>
+        <p:nvPr/>
+      </p:nvGrpSpPr>
+      <p:grpSpPr>
+        <a:xfrm>
+          <a:off x="0" y="0"/>
+          <a:ext cx="0" cy="0"/>
+          <a:chOff x="0" y="0"/>
+          <a:chExt cx="0" cy="0"/>
+        </a:xfrm>
+      </p:grpSpPr>
+      <p:sp>
+        <p:nvSpPr>
+          <p:cNvPr id="2" name="标题 1"/>
+          <p:cNvSpPr>
+            <a:spLocks noGrp="1"/>
+          </p:cNvSpPr>
+          <p:nvPr>
+            <p:ph type="title"/>
+          </p:nvPr>
+        </p:nvSpPr>
+        <p:spPr>
+          <a:xfrm>
+            <a:off x="457200" y="274638"/>
+            <a:ext cx="8229600" cy="922114"/>
+          </a:xfrm>
+        </p:spPr>
+        <p:txBody>
+          <a:bodyPr>
+            <a:normAutofit/>
+          </a:bodyPr>
+          <a:lstStyle/>
+          <a:p>
+            <a:r>
+              <a:rPr lang="en-US" altLang="zh-CN" b="1" dirty="0"/>
+              <a:t>Rune </a:t>
+            </a:r>
+            <a:r>
+              <a:rPr lang="en-US" altLang="zh-CN" b="1" dirty="0" smtClean="0"/>
+              <a:t>Raiders</a:t>
+            </a:r>
+            <a:endParaRPr lang="zh-CN" altLang="en-US" dirty="0"/>
+          </a:p>
+        </p:txBody>
+      </p:sp>
+      <p:pic>
+        <p:nvPicPr>
+          <p:cNvPr id="4" name="内容占位符 3"/>
+          <p:cNvPicPr>
+            <a:picLocks noGrp="1" noChangeAspect="1"/>
+          </p:cNvPicPr>
+          <p:nvPr>
+            <p:ph idx="1"/>
+          </p:nvPr>
+        </p:nvPicPr>
+        <p:blipFill>
+          <a:blip r:embed="rId2">
+            <a:extLst>
+              <a:ext uri="{28A0092B-C50C-407E-A947-70E740481C1C}">
+                <a14:useLocalDpi xmlns:a14="http://schemas.microsoft.com/office/drawing/2010/main" val="0"/>
+              </a:ext>
+            </a:extLst>
+          </a:blip>
+          <a:stretch>
+            <a:fillRect/>
+          </a:stretch>
+        </p:blipFill>
+        <p:spPr>
+          <a:xfrm>
+            <a:off x="3082110" y="1600200"/>
+            <a:ext cx="2979779" cy="4525963"/>
+          </a:xfrm>
+        </p:spPr>
+      </p:pic>
+    </p:spTree>
+    <p:extLst>
+      <p:ext uri="{BB962C8B-B14F-4D97-AF65-F5344CB8AC3E}">
+        <p14:creationId xmlns:p14="http://schemas.microsoft.com/office/powerpoint/2010/main" val="3603322340"/>
       </p:ext>
     </p:extLst>
   </p:cSld>
@@ -5364,29 +6724,13 @@
             </a:r>
             <a:r>
               <a:rPr lang="en-US" altLang="zh-CN" sz="2000" dirty="0"/>
-              <a:t>in 0…100){</a:t>
-            </a:r>
-            <a:endParaRPr lang="zh-CN" altLang="zh-CN" sz="2000" dirty="0"/>
-          </a:p>
-          <a:p>
-            <a:pPr marL="0" indent="0">
-              <a:buNone/>
-            </a:pPr>
-            <a:r>
-              <a:rPr lang="en-US" altLang="zh-CN" sz="2000" dirty="0"/>
-              <a:t>		…</a:t>
-            </a:r>
-            <a:endParaRPr lang="zh-CN" altLang="zh-CN" sz="2000" dirty="0"/>
-          </a:p>
-          <a:p>
-            <a:pPr marL="0" indent="0">
-              <a:buNone/>
-            </a:pPr>
-            <a:r>
-              <a:rPr lang="en-US" altLang="zh-CN" sz="2000" dirty="0"/>
-              <a:t>	}</a:t>
-            </a:r>
-            <a:endParaRPr lang="zh-CN" altLang="zh-CN" sz="2000" dirty="0"/>
+              <a:t>in 0…100</a:t>
+            </a:r>
+            <a:r>
+              <a:rPr lang="en-US" altLang="zh-CN" sz="2000" dirty="0" smtClean="0"/>
+              <a:t>){}</a:t>
+            </a:r>
+            <a:endParaRPr lang="en-US" altLang="zh-CN" sz="2000" dirty="0"/>
           </a:p>
           <a:p>
             <a:pPr marL="0" indent="0">
@@ -5398,7 +6742,7 @@
             </a:r>
             <a:r>
               <a:rPr lang="en-US" altLang="zh-CN" sz="2000" dirty="0" smtClean="0"/>
-              <a:t>     </a:t>
+              <a:t>    </a:t>
             </a:r>
             <a:r>
               <a:rPr lang="zh-CN" altLang="zh-CN" sz="2000" dirty="0" smtClean="0"/>
@@ -5437,14 +6781,20 @@
               <a:t>3</a:t>
             </a:r>
             <a:r>
-              <a:rPr lang="zh-CN" altLang="zh-CN" sz="2000" dirty="0"/>
+              <a:rPr lang="zh-CN" altLang="zh-CN" sz="2000" dirty="0" smtClean="0"/>
               <a:t>个</a:t>
             </a:r>
             <a:r>
-              <a:rPr lang="en-US" altLang="zh-CN" sz="2000" dirty="0"/>
+              <a:rPr lang="en-US" altLang="zh-CN" sz="2000" dirty="0" smtClean="0"/>
               <a:t>’.’</a:t>
             </a:r>
-            <a:endParaRPr lang="zh-CN" altLang="en-US" sz="2000" dirty="0"/>
+            <a:endParaRPr lang="en-US" altLang="zh-CN" sz="2000" dirty="0"/>
+          </a:p>
+          <a:p>
+            <a:pPr marL="0" indent="0">
+              <a:buNone/>
+            </a:pPr>
+            <a:endParaRPr lang="en-US" altLang="zh-CN" sz="2000" dirty="0" smtClean="0"/>
           </a:p>
         </p:txBody>
       </p:sp>
@@ -5490,7 +6840,7 @@
         </p:nvSpPr>
         <p:spPr>
           <a:xfrm>
-            <a:off x="467544" y="2924944"/>
+            <a:off x="467544" y="332656"/>
             <a:ext cx="8229600" cy="604664"/>
           </a:xfrm>
         </p:spPr>
@@ -5507,8 +6857,110 @@
             </a:r>
             <a:r>
               <a:rPr lang="zh-CN" altLang="en-US" dirty="0" smtClean="0"/>
-              <a:t>特有</a:t>
-            </a:r>
+              <a:t>高级特性</a:t>
+            </a:r>
+            <a:endParaRPr lang="zh-CN" altLang="en-US" dirty="0"/>
+          </a:p>
+        </p:txBody>
+      </p:sp>
+      <p:sp>
+        <p:nvSpPr>
+          <p:cNvPr id="2" name="TextBox 1"/>
+          <p:cNvSpPr txBox="1"/>
+          <p:nvPr/>
+        </p:nvSpPr>
+        <p:spPr>
+          <a:xfrm>
+            <a:off x="415008" y="1416988"/>
+            <a:ext cx="8424936" cy="5755422"/>
+          </a:xfrm>
+          <a:prstGeom prst="rect">
+            <a:avLst/>
+          </a:prstGeom>
+          <a:noFill/>
+        </p:spPr>
+        <p:txBody>
+          <a:bodyPr wrap="square" rtlCol="0">
+            <a:spAutoFit/>
+          </a:bodyPr>
+          <a:lstStyle/>
+          <a:p>
+            <a:r>
+              <a:rPr lang="en-US" altLang="zh-CN" sz="3200" dirty="0" err="1" smtClean="0"/>
+              <a:t>Enum</a:t>
+            </a:r>
+            <a:endParaRPr lang="en-US" altLang="zh-CN" sz="3200" dirty="0" smtClean="0"/>
+          </a:p>
+          <a:p>
+            <a:r>
+              <a:rPr lang="en-US" altLang="zh-CN" sz="3200" dirty="0" err="1" smtClean="0"/>
+              <a:t>Typedef</a:t>
+            </a:r>
+            <a:endParaRPr lang="en-US" altLang="zh-CN" sz="3200" dirty="0" smtClean="0"/>
+          </a:p>
+          <a:p>
+            <a:r>
+              <a:rPr lang="en-US" altLang="zh-CN" sz="3200" dirty="0" smtClean="0"/>
+              <a:t>Inline</a:t>
+            </a:r>
+          </a:p>
+          <a:p>
+            <a:r>
+              <a:rPr lang="en-US" altLang="zh-CN" sz="3200" i="1" dirty="0" smtClean="0"/>
+              <a:t>String </a:t>
+            </a:r>
+            <a:r>
+              <a:rPr lang="en-US" altLang="zh-CN" sz="3200" i="1" dirty="0"/>
+              <a:t>interpolation</a:t>
+            </a:r>
+            <a:endParaRPr lang="en-US" altLang="zh-CN" sz="3200" dirty="0" smtClean="0"/>
+          </a:p>
+          <a:p>
+            <a:r>
+              <a:rPr lang="en-US" altLang="zh-CN" sz="3200" dirty="0" smtClean="0"/>
+              <a:t>Using </a:t>
+            </a:r>
+            <a:r>
+              <a:rPr lang="en-US" altLang="zh-CN" sz="3200" dirty="0" err="1" smtClean="0"/>
+              <a:t>mixin</a:t>
+            </a:r>
+            <a:endParaRPr lang="en-US" altLang="zh-CN" sz="3200" dirty="0" smtClean="0"/>
+          </a:p>
+          <a:p>
+            <a:r>
+              <a:rPr lang="en-US" altLang="zh-CN" sz="3200" dirty="0" smtClean="0"/>
+              <a:t>Macro</a:t>
+            </a:r>
+          </a:p>
+          <a:p>
+            <a:r>
+              <a:rPr lang="zh-CN" altLang="en-US" sz="3200" smtClean="0"/>
+              <a:t>条件编译</a:t>
+            </a:r>
+            <a:endParaRPr lang="en-US" altLang="zh-CN" sz="3200" dirty="0"/>
+          </a:p>
+          <a:p>
+            <a:endParaRPr lang="en-US" altLang="zh-CN" dirty="0" smtClean="0"/>
+          </a:p>
+          <a:p>
+            <a:endParaRPr lang="en-US" altLang="zh-CN" dirty="0"/>
+          </a:p>
+          <a:p>
+            <a:endParaRPr lang="en-US" altLang="zh-CN" dirty="0" smtClean="0"/>
+          </a:p>
+          <a:p>
+            <a:endParaRPr lang="en-US" altLang="zh-CN" dirty="0"/>
+          </a:p>
+          <a:p>
+            <a:endParaRPr lang="en-US" altLang="zh-CN" dirty="0" smtClean="0"/>
+          </a:p>
+          <a:p>
+            <a:endParaRPr lang="en-US" altLang="zh-CN" dirty="0"/>
+          </a:p>
+          <a:p>
+            <a:endParaRPr lang="en-US" altLang="zh-CN" dirty="0" smtClean="0"/>
+          </a:p>
+          <a:p>
             <a:endParaRPr lang="zh-CN" altLang="en-US" dirty="0"/>
           </a:p>
         </p:txBody>
